--- a/week_2/Week_2.pptx
+++ b/week_2/Week_2.pptx
@@ -11,10 +11,11 @@
     <p:sldId id="266" r:id="rId5"/>
     <p:sldId id="263" r:id="rId6"/>
     <p:sldId id="267" r:id="rId7"/>
-    <p:sldId id="260" r:id="rId8"/>
-    <p:sldId id="261" r:id="rId9"/>
-    <p:sldId id="262" r:id="rId10"/>
-    <p:sldId id="265" r:id="rId11"/>
+    <p:sldId id="268" r:id="rId8"/>
+    <p:sldId id="260" r:id="rId9"/>
+    <p:sldId id="261" r:id="rId10"/>
+    <p:sldId id="262" r:id="rId11"/>
+    <p:sldId id="265" r:id="rId12"/>
   </p:sldIdLst>
   <p:sldSz cx="12192000" cy="6858000"/>
   <p:notesSz cx="6858000" cy="9144000"/>
@@ -3423,6 +3424,118 @@
         <p:spPr>
           <a:xfrm>
             <a:off x="131483" y="47811"/>
+            <a:ext cx="2114681" cy="646331"/>
+          </a:xfrm>
+          <a:prstGeom prst="rect">
+            <a:avLst/>
+          </a:prstGeom>
+          <a:noFill/>
+        </p:spPr>
+        <p:txBody>
+          <a:bodyPr wrap="none" rtlCol="0">
+            <a:spAutoFit/>
+          </a:bodyPr>
+          <a:lstStyle/>
+          <a:p>
+            <a:r>
+              <a:rPr lang="en-US" altLang="ko-KR" sz="3600" dirty="0" err="1"/>
+              <a:t>BoJ_1987</a:t>
+            </a:r>
+            <a:endParaRPr lang="en-US" altLang="ko-KR" sz="3600" dirty="0"/>
+          </a:p>
+        </p:txBody>
+      </p:sp>
+      <p:pic>
+        <p:nvPicPr>
+          <p:cNvPr id="4" name="그림 3"/>
+          <p:cNvPicPr>
+            <a:picLocks noChangeAspect="1"/>
+          </p:cNvPicPr>
+          <p:nvPr/>
+        </p:nvPicPr>
+        <p:blipFill rotWithShape="1">
+          <a:blip r:embed="rId2"/>
+          <a:srcRect l="12915" b="55176"/>
+          <a:stretch/>
+        </p:blipFill>
+        <p:spPr>
+          <a:xfrm>
+            <a:off x="709127" y="1693247"/>
+            <a:ext cx="4943746" cy="2908484"/>
+          </a:xfrm>
+          <a:prstGeom prst="rect">
+            <a:avLst/>
+          </a:prstGeom>
+        </p:spPr>
+      </p:pic>
+      <p:pic>
+        <p:nvPicPr>
+          <p:cNvPr id="5" name="그림 4"/>
+          <p:cNvPicPr>
+            <a:picLocks noChangeAspect="1"/>
+          </p:cNvPicPr>
+          <p:nvPr/>
+        </p:nvPicPr>
+        <p:blipFill rotWithShape="1">
+          <a:blip r:embed="rId2"/>
+          <a:srcRect l="14394" t="43865"/>
+          <a:stretch/>
+        </p:blipFill>
+        <p:spPr>
+          <a:xfrm>
+            <a:off x="6239070" y="1791478"/>
+            <a:ext cx="4859770" cy="3642417"/>
+          </a:xfrm>
+          <a:prstGeom prst="rect">
+            <a:avLst/>
+          </a:prstGeom>
+        </p:spPr>
+      </p:pic>
+    </p:spTree>
+    <p:extLst>
+      <p:ext uri="{BB962C8B-B14F-4D97-AF65-F5344CB8AC3E}">
+        <p14:creationId xmlns:p14="http://schemas.microsoft.com/office/powerpoint/2010/main" val="3503666306"/>
+      </p:ext>
+    </p:extLst>
+  </p:cSld>
+  <p:clrMapOvr>
+    <a:masterClrMapping/>
+  </p:clrMapOvr>
+</p:sld>
+</file>
+
+<file path=ppt/slides/slide11.xml><?xml version="1.0" encoding="utf-8"?>
+<p:sld xmlns:a="http://schemas.openxmlformats.org/drawingml/2006/main" xmlns:r="http://schemas.openxmlformats.org/officeDocument/2006/relationships" xmlns:p="http://schemas.openxmlformats.org/presentationml/2006/main">
+  <p:cSld>
+    <p:spTree>
+      <p:nvGrpSpPr>
+        <p:cNvPr id="1" name=""/>
+        <p:cNvGrpSpPr/>
+        <p:nvPr/>
+      </p:nvGrpSpPr>
+      <p:grpSpPr>
+        <a:xfrm>
+          <a:off x="0" y="0"/>
+          <a:ext cx="0" cy="0"/>
+          <a:chOff x="0" y="0"/>
+          <a:chExt cx="0" cy="0"/>
+        </a:xfrm>
+      </p:grpSpPr>
+      <p:sp>
+        <p:nvSpPr>
+          <p:cNvPr id="2" name="TextBox 1">
+            <a:extLst>
+              <a:ext uri="{FF2B5EF4-FFF2-40B4-BE49-F238E27FC236}">
+                <a16:creationId xmlns:a16="http://schemas.microsoft.com/office/drawing/2014/main" id="{3CC8E80A-2DA0-4A40-84A8-CDE226F4B4A2}"/>
+              </a:ext>
+            </a:extLst>
+          </p:cNvPr>
+          <p:cNvSpPr txBox="1"/>
+          <p:nvPr/>
+        </p:nvSpPr>
+        <p:spPr>
+          <a:xfrm>
+            <a:off x="131483" y="47811"/>
             <a:ext cx="2369559" cy="646331"/>
           </a:xfrm>
           <a:prstGeom prst="rect">
@@ -3460,7 +3573,7 @@
         </p:blipFill>
         <p:spPr>
           <a:xfrm>
-            <a:off x="1316262" y="916180"/>
+            <a:off x="1316262" y="820557"/>
             <a:ext cx="10252638" cy="5689588"/>
           </a:xfrm>
           <a:prstGeom prst="rect">
@@ -3625,7 +3738,7 @@
         </p:nvSpPr>
         <p:spPr>
           <a:xfrm>
-            <a:off x="6277430" y="2075377"/>
+            <a:off x="6096000" y="2079089"/>
             <a:ext cx="6058069" cy="4524315"/>
           </a:xfrm>
           <a:prstGeom prst="rect">
@@ -4398,7 +4511,7 @@
         <p:spPr>
           <a:xfrm>
             <a:off x="685481" y="1115568"/>
-            <a:ext cx="11383244" cy="2308324"/>
+            <a:ext cx="11464998" cy="2308324"/>
           </a:xfrm>
           <a:prstGeom prst="rect">
             <a:avLst/>
@@ -4502,7 +4615,7 @@
             </a:pPr>
             <a:r>
               <a:rPr lang="ko-KR" altLang="en-US" dirty="0"/>
-              <a:t>포화 이진 트리</a:t>
+              <a:t>포화 이진 트리 </a:t>
             </a:r>
             <a:r>
               <a:rPr lang="en-US" altLang="ko-KR" dirty="0"/>
@@ -4537,7 +4650,7 @@
             </a:r>
             <a:r>
               <a:rPr lang="en-US" altLang="ko-KR" dirty="0"/>
-              <a:t>.</a:t>
+              <a:t>. </a:t>
             </a:r>
           </a:p>
           <a:p>
@@ -5380,21 +5493,58 @@
       </p:sp>
       <p:pic>
         <p:nvPicPr>
-          <p:cNvPr id="5" name="그림 4"/>
+          <p:cNvPr id="4" name="그림 3">
+            <a:extLst>
+              <a:ext uri="{FF2B5EF4-FFF2-40B4-BE49-F238E27FC236}">
+                <a16:creationId xmlns:a16="http://schemas.microsoft.com/office/drawing/2014/main" id="{9AC9B236-DE28-ED84-8FF8-A6CE8ED355A5}"/>
+              </a:ext>
+            </a:extLst>
+          </p:cNvPr>
           <p:cNvPicPr>
             <a:picLocks noChangeAspect="1"/>
           </p:cNvPicPr>
           <p:nvPr/>
         </p:nvPicPr>
-        <p:blipFill rotWithShape="1">
+        <p:blipFill>
           <a:blip r:embed="rId2"/>
-          <a:srcRect r="5587"/>
-          <a:stretch/>
+          <a:stretch>
+            <a:fillRect/>
+          </a:stretch>
         </p:blipFill>
         <p:spPr>
           <a:xfrm>
-            <a:off x="567690" y="1075112"/>
-            <a:ext cx="5665470" cy="5455227"/>
+            <a:off x="138842" y="2401781"/>
+            <a:ext cx="4724400" cy="2250652"/>
+          </a:xfrm>
+          <a:prstGeom prst="rect">
+            <a:avLst/>
+          </a:prstGeom>
+        </p:spPr>
+      </p:pic>
+      <p:pic>
+        <p:nvPicPr>
+          <p:cNvPr id="7" name="그림 6">
+            <a:extLst>
+              <a:ext uri="{FF2B5EF4-FFF2-40B4-BE49-F238E27FC236}">
+                <a16:creationId xmlns:a16="http://schemas.microsoft.com/office/drawing/2014/main" id="{FDB10C2A-B187-B863-D0AB-29278B36447B}"/>
+              </a:ext>
+            </a:extLst>
+          </p:cNvPr>
+          <p:cNvPicPr>
+            <a:picLocks noChangeAspect="1"/>
+          </p:cNvPicPr>
+          <p:nvPr/>
+        </p:nvPicPr>
+        <p:blipFill>
+          <a:blip r:embed="rId3"/>
+          <a:stretch>
+            <a:fillRect/>
+          </a:stretch>
+        </p:blipFill>
+        <p:spPr>
+          <a:xfrm>
+            <a:off x="5834634" y="909745"/>
+            <a:ext cx="5814441" cy="5038510"/>
           </a:xfrm>
           <a:prstGeom prst="rect">
             <a:avLst/>
@@ -5404,7 +5554,7 @@
     </p:spTree>
     <p:extLst>
       <p:ext uri="{BB962C8B-B14F-4D97-AF65-F5344CB8AC3E}">
-        <p14:creationId xmlns:p14="http://schemas.microsoft.com/office/powerpoint/2010/main" val="4005684187"/>
+        <p14:creationId xmlns:p14="http://schemas.microsoft.com/office/powerpoint/2010/main" val="2216926513"/>
       </p:ext>
     </p:extLst>
   </p:cSld>
@@ -5461,7 +5611,7 @@
           <a:p>
             <a:r>
               <a:rPr lang="en-US" altLang="ko-KR" sz="3600" dirty="0" err="1"/>
-              <a:t>BoJ_16173</a:t>
+              <a:t>BoJ_11725</a:t>
             </a:r>
             <a:endParaRPr lang="ko-KR" altLang="en-US" sz="3600" dirty="0"/>
           </a:p>
@@ -5469,7 +5619,7 @@
       </p:sp>
       <p:pic>
         <p:nvPicPr>
-          <p:cNvPr id="3" name="그림 2"/>
+          <p:cNvPr id="5" name="그림 4"/>
           <p:cNvPicPr>
             <a:picLocks noChangeAspect="1"/>
           </p:cNvPicPr>
@@ -5477,36 +5627,13 @@
         </p:nvPicPr>
         <p:blipFill rotWithShape="1">
           <a:blip r:embed="rId2"/>
-          <a:srcRect r="20457" b="44145"/>
+          <a:srcRect r="5587"/>
           <a:stretch/>
         </p:blipFill>
         <p:spPr>
           <a:xfrm>
-            <a:off x="0" y="1179334"/>
-            <a:ext cx="5479326" cy="3249597"/>
-          </a:xfrm>
-          <a:prstGeom prst="rect">
-            <a:avLst/>
-          </a:prstGeom>
-        </p:spPr>
-      </p:pic>
-      <p:pic>
-        <p:nvPicPr>
-          <p:cNvPr id="6" name="그림 5"/>
-          <p:cNvPicPr>
-            <a:picLocks noChangeAspect="1"/>
-          </p:cNvPicPr>
-          <p:nvPr/>
-        </p:nvPicPr>
-        <p:blipFill rotWithShape="1">
-          <a:blip r:embed="rId2"/>
-          <a:srcRect t="55869"/>
-          <a:stretch/>
-        </p:blipFill>
-        <p:spPr>
-          <a:xfrm>
-            <a:off x="5303520" y="1861426"/>
-            <a:ext cx="6888480" cy="2567505"/>
+            <a:off x="567690" y="1075112"/>
+            <a:ext cx="5665470" cy="5455227"/>
           </a:xfrm>
           <a:prstGeom prst="rect">
             <a:avLst/>
@@ -5516,7 +5643,7 @@
     </p:spTree>
     <p:extLst>
       <p:ext uri="{BB962C8B-B14F-4D97-AF65-F5344CB8AC3E}">
-        <p14:creationId xmlns:p14="http://schemas.microsoft.com/office/powerpoint/2010/main" val="769518023"/>
+        <p14:creationId xmlns:p14="http://schemas.microsoft.com/office/powerpoint/2010/main" val="4005684187"/>
       </p:ext>
     </p:extLst>
   </p:cSld>
@@ -5558,7 +5685,7 @@
         <p:spPr>
           <a:xfrm>
             <a:off x="131483" y="47811"/>
-            <a:ext cx="2114681" cy="646331"/>
+            <a:ext cx="2369559" cy="646331"/>
           </a:xfrm>
           <a:prstGeom prst="rect">
             <a:avLst/>
@@ -5573,15 +5700,15 @@
           <a:p>
             <a:r>
               <a:rPr lang="en-US" altLang="ko-KR" sz="3600" dirty="0" err="1"/>
-              <a:t>BoJ_1987</a:t>
-            </a:r>
-            <a:endParaRPr lang="en-US" altLang="ko-KR" sz="3600" dirty="0"/>
+              <a:t>BoJ_16173</a:t>
+            </a:r>
+            <a:endParaRPr lang="ko-KR" altLang="en-US" sz="3600" dirty="0"/>
           </a:p>
         </p:txBody>
       </p:sp>
       <p:pic>
         <p:nvPicPr>
-          <p:cNvPr id="4" name="그림 3"/>
+          <p:cNvPr id="3" name="그림 2"/>
           <p:cNvPicPr>
             <a:picLocks noChangeAspect="1"/>
           </p:cNvPicPr>
@@ -5589,13 +5716,13 @@
         </p:nvPicPr>
         <p:blipFill rotWithShape="1">
           <a:blip r:embed="rId2"/>
-          <a:srcRect l="12915" b="55176"/>
+          <a:srcRect r="20457" b="44145"/>
           <a:stretch/>
         </p:blipFill>
         <p:spPr>
           <a:xfrm>
-            <a:off x="709127" y="1693247"/>
-            <a:ext cx="4943746" cy="2908484"/>
+            <a:off x="0" y="1179334"/>
+            <a:ext cx="5479326" cy="3249597"/>
           </a:xfrm>
           <a:prstGeom prst="rect">
             <a:avLst/>
@@ -5604,7 +5731,7 @@
       </p:pic>
       <p:pic>
         <p:nvPicPr>
-          <p:cNvPr id="5" name="그림 4"/>
+          <p:cNvPr id="6" name="그림 5"/>
           <p:cNvPicPr>
             <a:picLocks noChangeAspect="1"/>
           </p:cNvPicPr>
@@ -5612,13 +5739,13 @@
         </p:nvPicPr>
         <p:blipFill rotWithShape="1">
           <a:blip r:embed="rId2"/>
-          <a:srcRect l="14394" t="43865"/>
+          <a:srcRect t="55869"/>
           <a:stretch/>
         </p:blipFill>
         <p:spPr>
           <a:xfrm>
-            <a:off x="6239070" y="1791478"/>
-            <a:ext cx="4859770" cy="3642417"/>
+            <a:off x="5303520" y="1861426"/>
+            <a:ext cx="6888480" cy="2567505"/>
           </a:xfrm>
           <a:prstGeom prst="rect">
             <a:avLst/>
@@ -5628,7 +5755,7 @@
     </p:spTree>
     <p:extLst>
       <p:ext uri="{BB962C8B-B14F-4D97-AF65-F5344CB8AC3E}">
-        <p14:creationId xmlns:p14="http://schemas.microsoft.com/office/powerpoint/2010/main" val="3503666306"/>
+        <p14:creationId xmlns:p14="http://schemas.microsoft.com/office/powerpoint/2010/main" val="769518023"/>
       </p:ext>
     </p:extLst>
   </p:cSld>
